--- a/00_Presentations/Sprint 2.pptx
+++ b/00_Presentations/Sprint 2.pptx
@@ -231,7 +231,7 @@
           <a:p>
             <a:fld id="{9D8190EA-5EEC-4300-B6AE-D9734C6C648E}" type="datetimeFigureOut">
               <a:rPr lang="en-US" smtClean="0"/>
-              <a:t>9/28/2024</a:t>
+              <a:t>10/11/2024</a:t>
             </a:fld>
             <a:endParaRPr lang="en-US" dirty="0"/>
           </a:p>
@@ -408,7 +408,7 @@
           <a:p>
             <a:fld id="{7487ADD9-2083-264C-A652-8D52D02F7E72}" type="datetimeFigureOut">
               <a:rPr lang="en-US" smtClean="0"/>
-              <a:t>9/28/2024</a:t>
+              <a:t>10/11/2024</a:t>
             </a:fld>
             <a:endParaRPr lang="en-US" dirty="0"/>
           </a:p>
@@ -8901,7 +8901,7 @@
                   <a:schemeClr val="tx2"/>
                 </a:solidFill>
               </a:rPr>
-              <a:t>Sprint 2</a:t>
+              <a:t>Final sprint</a:t>
             </a:r>
           </a:p>
         </p:txBody>
@@ -8964,7 +8964,7 @@
           <a:p>
             <a:r>
               <a:rPr lang="en-US" dirty="0"/>
-              <a:t>Progress</a:t>
+              <a:t>Achievements</a:t>
             </a:r>
           </a:p>
         </p:txBody>
@@ -9006,7 +9006,7 @@
             <a:pPr lvl="1"/>
             <a:r>
               <a:rPr lang="en-US" dirty="0"/>
-              <a:t> Complete</a:t>
+              <a:t>Complete</a:t>
             </a:r>
           </a:p>
           <a:p>
@@ -9023,9 +9023,9 @@
             </a:r>
           </a:p>
           <a:p>
-            <a:pPr marL="566928" lvl="2" indent="0">
-              <a:buNone/>
-            </a:pPr>
+            <a:endParaRPr lang="en-US" dirty="0"/>
+          </a:p>
+          <a:p>
             <a:endParaRPr lang="en-US" dirty="0"/>
           </a:p>
           <a:p>
@@ -10789,7 +10789,7 @@
                   <a:schemeClr val="bg1"/>
                 </a:solidFill>
               </a:rPr>
-              <a:t>Poisson distribution - arrivals</a:t>
+              <a:t>Poisson distribution – arrivals</a:t>
             </a:r>
           </a:p>
           <a:p>
@@ -10807,6 +10807,10 @@
             </a:r>
           </a:p>
           <a:p>
+            <a:pPr marL="342900" indent="-342900">
+              <a:buFont typeface="Arial" panose="020B0604020202020204" pitchFamily="34" charset="0"/>
+              <a:buChar char="•"/>
+            </a:pPr>
             <a:endParaRPr lang="en-NL" dirty="0">
               <a:solidFill>
                 <a:schemeClr val="bg1"/>
